--- a/PPT/DL-microsatellite_instability-histology.pptx
+++ b/PPT/DL-microsatellite_instability-histology.pptx
@@ -310,7 +310,7 @@
               <a:pPr>
                 <a:defRPr/>
               </a:pPr>
-              <a:t>2022/7/26</a:t>
+              <a:t>2022/7/30</a:t>
             </a:fld>
             <a:endParaRPr lang="en-US" altLang="zh-CN"/>
           </a:p>
@@ -528,7 +528,7 @@
               <a:pPr>
                 <a:defRPr/>
               </a:pPr>
-              <a:t>2022/7/26</a:t>
+              <a:t>2022/7/30</a:t>
             </a:fld>
             <a:endParaRPr lang="zh-CN" altLang="en-US"/>
           </a:p>
@@ -8665,7 +8665,7 @@
                           <a:ea typeface="微软雅黑" panose="020B0503020204020204" pitchFamily="34" charset="-122"/>
                           <a:cs typeface="Arial" panose="020B0604020202020204" pitchFamily="34" charset="0"/>
                         </a:rPr>
-                        <a:t>2022年7月26日</a:t>
+                        <a:t>2022年7月30日</a:t>
                       </a:fld>
                       <a:endParaRPr lang="zh-CN" altLang="en-US" sz="2000" b="0" kern="1200" dirty="0">
                         <a:solidFill>
@@ -10738,7 +10738,17 @@
                 <a:latin typeface="宋体" panose="02010600030101010101" pitchFamily="2" charset="-122"/>
                 <a:ea typeface="宋体" panose="02010600030101010101" pitchFamily="2" charset="-122"/>
               </a:rPr>
-              <a:t>分类器（部分）</a:t>
+              <a:t>分类器</a:t>
+            </a:r>
+            <a:r>
+              <a:rPr lang="zh-CN" altLang="en-US" sz="2400">
+                <a:solidFill>
+                  <a:schemeClr val="tx1"/>
+                </a:solidFill>
+                <a:latin typeface="宋体" panose="02010600030101010101" pitchFamily="2" charset="-122"/>
+                <a:ea typeface="宋体" panose="02010600030101010101" pitchFamily="2" charset="-122"/>
+              </a:rPr>
+              <a:t>（部分数据集）</a:t>
             </a:r>
             <a:endParaRPr lang="en-US" altLang="zh-CN" sz="2400" dirty="0">
               <a:solidFill>
